--- a/intro-showcase-demo/showcase-slides.pptx
+++ b/intro-showcase-demo/showcase-slides.pptx
@@ -5788,7 +5788,7 @@
             </a:pPr>
             <a:r>
               <a:rPr lang="en-GB" sz="2400" dirty="0"/>
-              <a:t>The documentation to be used for the consuming developer.</a:t>
+              <a:t>The documentation to be used by the consuming developer.</a:t>
             </a:r>
           </a:p>
         </p:txBody>
